--- a/public/Bus Ticket System.pptx
+++ b/public/Bus Ticket System.pptx
@@ -120,14 +120,6 @@
     </p:ext>
   </p:extLst>
 </p:presentation>
-</file>
-
-<file path=ppt/revisionInfo.xml><?xml version="1.0" encoding="utf-8"?>
-<p1510:revInfo xmlns:a="http://schemas.openxmlformats.org/drawingml/2006/main" xmlns:r="http://schemas.openxmlformats.org/officeDocument/2006/relationships" xmlns:p1510="http://schemas.microsoft.com/office/powerpoint/2015/10/main">
-  <p1510:revLst>
-    <p1510:client id="{2EA7AAE4-5BBE-44D5-B1AC-DEBD0090CF76}" v="540" dt="2025-03-25T01:58:00.188"/>
-  </p1510:revLst>
-</p1510:revInfo>
 </file>
 
 <file path=ppt/diagrams/colors1.xml><?xml version="1.0" encoding="utf-8"?>
@@ -24266,14 +24258,14 @@
             <p:ph idx="1"/>
             <p:extLst>
               <p:ext uri="{D42A27DB-BD31-4B8C-83A1-F6EECF244321}">
-                <p14:modId xmlns:p14="http://schemas.microsoft.com/office/powerpoint/2010/main" val="2231361938"/>
+                <p14:modId xmlns:p14="http://schemas.microsoft.com/office/powerpoint/2010/main" val="1500055550"/>
               </p:ext>
             </p:extLst>
           </p:nvPr>
         </p:nvGraphicFramePr>
         <p:xfrm>
           <a:off x="626851" y="2269730"/>
-          <a:ext cx="11167446" cy="3993912"/>
+          <a:ext cx="11004710" cy="4039628"/>
         </p:xfrm>
         <a:graphic>
           <a:graphicData uri="http://schemas.openxmlformats.org/drawingml/2006/table">
@@ -24282,21 +24274,14 @@
                 <a:tableStyleId>{9D7B26C5-4107-4FEC-AEDC-1716B250A1EF}</a:tableStyleId>
               </a:tblPr>
               <a:tblGrid>
-                <a:gridCol w="4426930">
+                <a:gridCol w="6817341">
                   <a:extLst>
                     <a:ext uri="{9D8B030D-6E8A-4147-A177-3AD203B41FA5}">
                       <a16:colId xmlns:a16="http://schemas.microsoft.com/office/drawing/2014/main" val="1873328464"/>
                     </a:ext>
                   </a:extLst>
                 </a:gridCol>
-                <a:gridCol w="4021393">
-                  <a:extLst>
-                    <a:ext uri="{9D8B030D-6E8A-4147-A177-3AD203B41FA5}">
-                      <a16:colId xmlns:a16="http://schemas.microsoft.com/office/drawing/2014/main" val="702286131"/>
-                    </a:ext>
-                  </a:extLst>
-                </a:gridCol>
-                <a:gridCol w="2719123">
+                <a:gridCol w="4187369">
                   <a:extLst>
                     <a:ext uri="{9D8B030D-6E8A-4147-A177-3AD203B41FA5}">
                       <a16:colId xmlns:a16="http://schemas.microsoft.com/office/drawing/2014/main" val="2046952497"/>
@@ -24304,56 +24289,7 @@
                   </a:extLst>
                 </a:gridCol>
               </a:tblGrid>
-              <a:tr h="580197">
-                <a:tc>
-                  <a:txBody>
-                    <a:bodyPr/>
-                    <a:lstStyle/>
-                    <a:p>
-                      <a:r>
-                        <a:rPr lang="en-US" sz="2700"/>
-                        <a:t>API</a:t>
-                      </a:r>
-                      <a:endParaRPr lang="en-IN" sz="2700"/>
-                    </a:p>
-                  </a:txBody>
-                  <a:tcPr marL="137086" marR="137086" marT="68543" marB="68543"/>
-                </a:tc>
-                <a:tc>
-                  <a:txBody>
-                    <a:bodyPr/>
-                    <a:lstStyle/>
-                    <a:p>
-                      <a:r>
-                        <a:rPr lang="en-US" sz="2700"/>
-                        <a:t>Use Case</a:t>
-                      </a:r>
-                      <a:endParaRPr lang="en-IN" sz="2700"/>
-                    </a:p>
-                  </a:txBody>
-                  <a:tcPr marL="137086" marR="137086" marT="68543" marB="68543"/>
-                </a:tc>
-                <a:tc>
-                  <a:txBody>
-                    <a:bodyPr/>
-                    <a:lstStyle/>
-                    <a:p>
-                      <a:r>
-                        <a:rPr lang="en-US" sz="2700"/>
-                        <a:t>Authorization</a:t>
-                      </a:r>
-                      <a:endParaRPr lang="en-IN" sz="2700"/>
-                    </a:p>
-                  </a:txBody>
-                  <a:tcPr marL="137086" marR="137086" marT="68543" marB="68543"/>
-                </a:tc>
-                <a:extLst>
-                  <a:ext uri="{0D108BD9-81ED-4DB2-BD59-A6C34878D82A}">
-                    <a16:rowId xmlns:a16="http://schemas.microsoft.com/office/drawing/2014/main" val="3453011446"/>
-                  </a:ext>
-                </a:extLst>
-              </a:tr>
-              <a:tr h="682743">
+              <a:tr h="586838">
                 <a:tc>
                   <a:txBody>
                     <a:bodyPr/>
@@ -24361,7 +24297,7 @@
                     <a:p>
                       <a:r>
                         <a:rPr lang="en-US" sz="2700" dirty="0"/>
-                        <a:t>POST/GET(Users)</a:t>
+                        <a:t>API</a:t>
                       </a:r>
                       <a:endParaRPr lang="en-IN" sz="2700" dirty="0"/>
                     </a:p>
@@ -24373,7 +24309,32 @@
                     <a:bodyPr/>
                     <a:lstStyle/>
                     <a:p>
-                      <a:endParaRPr lang="en-IN" sz="2700"/>
+                      <a:r>
+                        <a:rPr lang="en-US" sz="2700" dirty="0"/>
+                        <a:t>Authorization</a:t>
+                      </a:r>
+                      <a:endParaRPr lang="en-IN" sz="2700" dirty="0"/>
+                    </a:p>
+                  </a:txBody>
+                  <a:tcPr marL="137086" marR="137086" marT="68543" marB="68543"/>
+                </a:tc>
+                <a:extLst>
+                  <a:ext uri="{0D108BD9-81ED-4DB2-BD59-A6C34878D82A}">
+                    <a16:rowId xmlns:a16="http://schemas.microsoft.com/office/drawing/2014/main" val="3453011446"/>
+                  </a:ext>
+                </a:extLst>
+              </a:tr>
+              <a:tr h="690558">
+                <a:tc>
+                  <a:txBody>
+                    <a:bodyPr/>
+                    <a:lstStyle/>
+                    <a:p>
+                      <a:r>
+                        <a:rPr lang="en-US" sz="2700" dirty="0"/>
+                        <a:t>GET/DELETE(All Users, All Bus, All Tickets)</a:t>
+                      </a:r>
+                      <a:endParaRPr lang="en-IN" sz="2700" dirty="0"/>
                     </a:p>
                   </a:txBody>
                   <a:tcPr marL="137086" marR="137086" marT="68543" marB="68543"/>
@@ -24383,7 +24344,11 @@
                     <a:bodyPr/>
                     <a:lstStyle/>
                     <a:p>
-                      <a:endParaRPr lang="en-IN" sz="2700"/>
+                      <a:r>
+                        <a:rPr lang="en-US" sz="2700" dirty="0"/>
+                        <a:t>Admin</a:t>
+                      </a:r>
+                      <a:endParaRPr lang="en-IN" sz="2700" dirty="0"/>
                     </a:p>
                   </a:txBody>
                   <a:tcPr marL="137086" marR="137086" marT="68543" marB="68543"/>
@@ -24394,13 +24359,25 @@
                   </a:ext>
                 </a:extLst>
               </a:tr>
-              <a:tr h="682743">
+              <a:tr h="690558">
                 <a:tc>
                   <a:txBody>
                     <a:bodyPr/>
                     <a:lstStyle/>
                     <a:p>
-                      <a:endParaRPr lang="en-IN" sz="2700"/>
+                      <a:r>
+                        <a:rPr lang="en-US" sz="2700" dirty="0"/>
+                        <a:t>POST/GET/DELETE(Bus/:</a:t>
+                      </a:r>
+                      <a:r>
+                        <a:rPr lang="en-US" sz="2700" dirty="0" err="1"/>
+                        <a:t>userid</a:t>
+                      </a:r>
+                      <a:r>
+                        <a:rPr lang="en-US" sz="2700" dirty="0"/>
+                        <a:t>)</a:t>
+                      </a:r>
+                      <a:endParaRPr lang="en-IN" sz="2700" dirty="0"/>
                     </a:p>
                   </a:txBody>
                   <a:tcPr marL="137086" marR="137086" marT="68543" marB="68543"/>
@@ -24410,17 +24387,11 @@
                     <a:bodyPr/>
                     <a:lstStyle/>
                     <a:p>
-                      <a:endParaRPr lang="en-IN" sz="2700"/>
-                    </a:p>
-                  </a:txBody>
-                  <a:tcPr marL="137086" marR="137086" marT="68543" marB="68543"/>
-                </a:tc>
-                <a:tc>
-                  <a:txBody>
-                    <a:bodyPr/>
-                    <a:lstStyle/>
-                    <a:p>
-                      <a:endParaRPr lang="en-IN" sz="2700"/>
+                      <a:r>
+                        <a:rPr lang="en-US" sz="2700" dirty="0"/>
+                        <a:t>Operator</a:t>
+                      </a:r>
+                      <a:endParaRPr lang="en-IN" sz="2700" dirty="0"/>
                     </a:p>
                   </a:txBody>
                   <a:tcPr marL="137086" marR="137086" marT="68543" marB="68543"/>
@@ -24431,13 +24402,25 @@
                   </a:ext>
                 </a:extLst>
               </a:tr>
-              <a:tr h="682743">
+              <a:tr h="690558">
                 <a:tc>
                   <a:txBody>
                     <a:bodyPr/>
                     <a:lstStyle/>
                     <a:p>
-                      <a:endParaRPr lang="en-IN" sz="2700"/>
+                      <a:r>
+                        <a:rPr lang="en-US" sz="2700" dirty="0"/>
+                        <a:t>POST/GET/DELETE(Tickets/:</a:t>
+                      </a:r>
+                      <a:r>
+                        <a:rPr lang="en-US" sz="2700" dirty="0" err="1"/>
+                        <a:t>userid</a:t>
+                      </a:r>
+                      <a:r>
+                        <a:rPr lang="en-US" sz="2700" dirty="0"/>
+                        <a:t>)</a:t>
+                      </a:r>
+                      <a:endParaRPr lang="en-IN" sz="2700" dirty="0"/>
                     </a:p>
                   </a:txBody>
                   <a:tcPr marL="137086" marR="137086" marT="68543" marB="68543"/>
@@ -24447,17 +24430,11 @@
                     <a:bodyPr/>
                     <a:lstStyle/>
                     <a:p>
-                      <a:endParaRPr lang="en-IN" sz="2700"/>
-                    </a:p>
-                  </a:txBody>
-                  <a:tcPr marL="137086" marR="137086" marT="68543" marB="68543"/>
-                </a:tc>
-                <a:tc>
-                  <a:txBody>
-                    <a:bodyPr/>
-                    <a:lstStyle/>
-                    <a:p>
-                      <a:endParaRPr lang="en-IN" sz="2700"/>
+                      <a:r>
+                        <a:rPr lang="en-US" sz="2700" dirty="0"/>
+                        <a:t>Passenger and Operator</a:t>
+                      </a:r>
+                      <a:endParaRPr lang="en-IN" sz="2700" dirty="0"/>
                     </a:p>
                   </a:txBody>
                   <a:tcPr marL="137086" marR="137086" marT="68543" marB="68543"/>
@@ -24468,13 +24445,17 @@
                   </a:ext>
                 </a:extLst>
               </a:tr>
-              <a:tr h="682743">
+              <a:tr h="690558">
                 <a:tc>
                   <a:txBody>
                     <a:bodyPr/>
                     <a:lstStyle/>
                     <a:p>
-                      <a:endParaRPr lang="en-IN" sz="2700"/>
+                      <a:r>
+                        <a:rPr lang="en-US" sz="2700" dirty="0"/>
+                        <a:t>GET(Dashboard)</a:t>
+                      </a:r>
+                      <a:endParaRPr lang="en-IN" sz="2700" dirty="0"/>
                     </a:p>
                   </a:txBody>
                   <a:tcPr marL="137086" marR="137086" marT="68543" marB="68543"/>
@@ -24484,17 +24465,11 @@
                     <a:bodyPr/>
                     <a:lstStyle/>
                     <a:p>
-                      <a:endParaRPr lang="en-IN" sz="2700"/>
-                    </a:p>
-                  </a:txBody>
-                  <a:tcPr marL="137086" marR="137086" marT="68543" marB="68543"/>
-                </a:tc>
-                <a:tc>
-                  <a:txBody>
-                    <a:bodyPr/>
-                    <a:lstStyle/>
-                    <a:p>
-                      <a:endParaRPr lang="en-IN" sz="2700"/>
+                      <a:r>
+                        <a:rPr lang="en-US" sz="2700" dirty="0"/>
+                        <a:t>Operator and Admin</a:t>
+                      </a:r>
+                      <a:endParaRPr lang="en-IN" sz="2700" dirty="0"/>
                     </a:p>
                   </a:txBody>
                   <a:tcPr marL="137086" marR="137086" marT="68543" marB="68543"/>
@@ -24505,13 +24480,25 @@
                   </a:ext>
                 </a:extLst>
               </a:tr>
-              <a:tr h="682743">
+              <a:tr h="690558">
                 <a:tc>
                   <a:txBody>
                     <a:bodyPr/>
                     <a:lstStyle/>
                     <a:p>
-                      <a:endParaRPr lang="en-IN" sz="2700"/>
+                      <a:r>
+                        <a:rPr lang="en-US" sz="2700" dirty="0"/>
+                        <a:t>POST(Register, Login)/PUT(Users/:</a:t>
+                      </a:r>
+                      <a:r>
+                        <a:rPr lang="en-US" sz="2700" dirty="0" err="1"/>
+                        <a:t>userid</a:t>
+                      </a:r>
+                      <a:r>
+                        <a:rPr lang="en-US" sz="2700" dirty="0"/>
+                        <a:t>)</a:t>
+                      </a:r>
+                      <a:endParaRPr lang="en-IN" sz="2700" dirty="0"/>
                     </a:p>
                   </a:txBody>
                   <a:tcPr marL="137086" marR="137086" marT="68543" marB="68543"/>
@@ -24521,16 +24508,10 @@
                     <a:bodyPr/>
                     <a:lstStyle/>
                     <a:p>
-                      <a:endParaRPr lang="en-IN" sz="2700"/>
-                    </a:p>
-                  </a:txBody>
-                  <a:tcPr marL="137086" marR="137086" marT="68543" marB="68543"/>
-                </a:tc>
-                <a:tc>
-                  <a:txBody>
-                    <a:bodyPr/>
-                    <a:lstStyle/>
-                    <a:p>
+                      <a:r>
+                        <a:rPr lang="en-US" sz="2700" dirty="0"/>
+                        <a:t>All</a:t>
+                      </a:r>
                       <a:endParaRPr lang="en-IN" sz="2700" dirty="0"/>
                     </a:p>
                   </a:txBody>
